--- a/CV_Kustov_Anton_RUS.pptx
+++ b/CV_Kustov_Anton_RUS.pptx
@@ -2,12 +2,12 @@
 <file path=ppt/presentation.xml><?xml version="1.0" encoding="utf-8"?>
 <p:presentation xmlns:a="http://schemas.openxmlformats.org/drawingml/2006/main" xmlns:r="http://schemas.openxmlformats.org/officeDocument/2006/relationships" xmlns:p="http://schemas.openxmlformats.org/presentationml/2006/main" saveSubsetFonts="1">
   <p:sldMasterIdLst>
-    <p:sldMasterId id="2147483684" r:id="rId1"/>
+    <p:sldMasterId id="2147483696" r:id="rId1"/>
   </p:sldMasterIdLst>
   <p:sldIdLst>
     <p:sldId id="256" r:id="rId2"/>
   </p:sldIdLst>
-  <p:sldSz cx="6858000" cy="9906000" type="A4"/>
+  <p:sldSz cx="6858000" cy="12599988"/>
   <p:notesSz cx="6858000" cy="9144000"/>
   <p:defaultTextStyle>
     <a:defPPr>
@@ -170,8 +170,8 @@
         </p:nvSpPr>
         <p:spPr>
           <a:xfrm>
-            <a:off x="514350" y="1621191"/>
-            <a:ext cx="5829300" cy="3448756"/>
+            <a:off x="514350" y="2062083"/>
+            <a:ext cx="5829300" cy="4386662"/>
           </a:xfrm>
         </p:spPr>
         <p:txBody>
@@ -202,8 +202,8 @@
         </p:nvSpPr>
         <p:spPr>
           <a:xfrm>
-            <a:off x="857250" y="5202944"/>
-            <a:ext cx="5143500" cy="2391656"/>
+            <a:off x="857250" y="6617911"/>
+            <a:ext cx="5143500" cy="3042080"/>
           </a:xfrm>
         </p:spPr>
         <p:txBody>
@@ -323,7 +323,7 @@
     </p:spTree>
     <p:extLst>
       <p:ext uri="{BB962C8B-B14F-4D97-AF65-F5344CB8AC3E}">
-        <p14:creationId xmlns:p14="http://schemas.microsoft.com/office/powerpoint/2010/main" val="245692553"/>
+        <p14:creationId xmlns:p14="http://schemas.microsoft.com/office/powerpoint/2010/main" val="850736914"/>
       </p:ext>
     </p:extLst>
   </p:cSld>
@@ -493,7 +493,7 @@
     </p:spTree>
     <p:extLst>
       <p:ext uri="{BB962C8B-B14F-4D97-AF65-F5344CB8AC3E}">
-        <p14:creationId xmlns:p14="http://schemas.microsoft.com/office/powerpoint/2010/main" val="2344250752"/>
+        <p14:creationId xmlns:p14="http://schemas.microsoft.com/office/powerpoint/2010/main" val="426455725"/>
       </p:ext>
     </p:extLst>
   </p:cSld>
@@ -532,8 +532,8 @@
         </p:nvSpPr>
         <p:spPr>
           <a:xfrm>
-            <a:off x="4907757" y="527403"/>
-            <a:ext cx="1478756" cy="8394877"/>
+            <a:off x="4907757" y="670833"/>
+            <a:ext cx="1478756" cy="10677907"/>
           </a:xfrm>
         </p:spPr>
         <p:txBody>
@@ -560,8 +560,8 @@
         </p:nvSpPr>
         <p:spPr>
           <a:xfrm>
-            <a:off x="471488" y="527403"/>
-            <a:ext cx="4350544" cy="8394877"/>
+            <a:off x="471488" y="670833"/>
+            <a:ext cx="4350544" cy="10677907"/>
           </a:xfrm>
         </p:spPr>
         <p:txBody>
@@ -673,7 +673,7 @@
     </p:spTree>
     <p:extLst>
       <p:ext uri="{BB962C8B-B14F-4D97-AF65-F5344CB8AC3E}">
-        <p14:creationId xmlns:p14="http://schemas.microsoft.com/office/powerpoint/2010/main" val="535477817"/>
+        <p14:creationId xmlns:p14="http://schemas.microsoft.com/office/powerpoint/2010/main" val="2985909257"/>
       </p:ext>
     </p:extLst>
   </p:cSld>
@@ -843,7 +843,7 @@
     </p:spTree>
     <p:extLst>
       <p:ext uri="{BB962C8B-B14F-4D97-AF65-F5344CB8AC3E}">
-        <p14:creationId xmlns:p14="http://schemas.microsoft.com/office/powerpoint/2010/main" val="78951559"/>
+        <p14:creationId xmlns:p14="http://schemas.microsoft.com/office/powerpoint/2010/main" val="750672863"/>
       </p:ext>
     </p:extLst>
   </p:cSld>
@@ -882,8 +882,8 @@
         </p:nvSpPr>
         <p:spPr>
           <a:xfrm>
-            <a:off x="467916" y="2469624"/>
-            <a:ext cx="5915025" cy="4120620"/>
+            <a:off x="467916" y="3141251"/>
+            <a:ext cx="5915025" cy="5241244"/>
           </a:xfrm>
         </p:spPr>
         <p:txBody>
@@ -914,8 +914,8 @@
         </p:nvSpPr>
         <p:spPr>
           <a:xfrm>
-            <a:off x="467916" y="6629226"/>
-            <a:ext cx="5915025" cy="2166937"/>
+            <a:off x="467916" y="8432079"/>
+            <a:ext cx="5915025" cy="2756246"/>
           </a:xfrm>
         </p:spPr>
         <p:txBody>
@@ -1087,7 +1087,7 @@
     </p:spTree>
     <p:extLst>
       <p:ext uri="{BB962C8B-B14F-4D97-AF65-F5344CB8AC3E}">
-        <p14:creationId xmlns:p14="http://schemas.microsoft.com/office/powerpoint/2010/main" val="1551621581"/>
+        <p14:creationId xmlns:p14="http://schemas.microsoft.com/office/powerpoint/2010/main" val="1136330044"/>
       </p:ext>
     </p:extLst>
   </p:cSld>
@@ -1149,8 +1149,8 @@
         </p:nvSpPr>
         <p:spPr>
           <a:xfrm>
-            <a:off x="471488" y="2637014"/>
-            <a:ext cx="2914650" cy="6285266"/>
+            <a:off x="471488" y="3354163"/>
+            <a:ext cx="2914650" cy="7994577"/>
           </a:xfrm>
         </p:spPr>
         <p:txBody>
@@ -1206,8 +1206,8 @@
         </p:nvSpPr>
         <p:spPr>
           <a:xfrm>
-            <a:off x="3471863" y="2637014"/>
-            <a:ext cx="2914650" cy="6285266"/>
+            <a:off x="3471863" y="3354163"/>
+            <a:ext cx="2914650" cy="7994577"/>
           </a:xfrm>
         </p:spPr>
         <p:txBody>
@@ -1319,7 +1319,7 @@
     </p:spTree>
     <p:extLst>
       <p:ext uri="{BB962C8B-B14F-4D97-AF65-F5344CB8AC3E}">
-        <p14:creationId xmlns:p14="http://schemas.microsoft.com/office/powerpoint/2010/main" val="3573521721"/>
+        <p14:creationId xmlns:p14="http://schemas.microsoft.com/office/powerpoint/2010/main" val="4104719934"/>
       </p:ext>
     </p:extLst>
   </p:cSld>
@@ -1358,8 +1358,8 @@
         </p:nvSpPr>
         <p:spPr>
           <a:xfrm>
-            <a:off x="472381" y="527405"/>
-            <a:ext cx="5915025" cy="1914702"/>
+            <a:off x="472381" y="670836"/>
+            <a:ext cx="5915025" cy="2435415"/>
           </a:xfrm>
         </p:spPr>
         <p:txBody>
@@ -1386,8 +1386,8 @@
         </p:nvSpPr>
         <p:spPr>
           <a:xfrm>
-            <a:off x="472381" y="2428347"/>
-            <a:ext cx="2901255" cy="1190095"/>
+            <a:off x="472381" y="3088748"/>
+            <a:ext cx="2901255" cy="1513748"/>
           </a:xfrm>
         </p:spPr>
         <p:txBody>
@@ -1451,8 +1451,8 @@
         </p:nvSpPr>
         <p:spPr>
           <a:xfrm>
-            <a:off x="472381" y="3618442"/>
-            <a:ext cx="2901255" cy="5322183"/>
+            <a:off x="472381" y="4602496"/>
+            <a:ext cx="2901255" cy="6769578"/>
           </a:xfrm>
         </p:spPr>
         <p:txBody>
@@ -1508,8 +1508,8 @@
         </p:nvSpPr>
         <p:spPr>
           <a:xfrm>
-            <a:off x="3471863" y="2428347"/>
-            <a:ext cx="2915543" cy="1190095"/>
+            <a:off x="3471863" y="3088748"/>
+            <a:ext cx="2915543" cy="1513748"/>
           </a:xfrm>
         </p:spPr>
         <p:txBody>
@@ -1573,8 +1573,8 @@
         </p:nvSpPr>
         <p:spPr>
           <a:xfrm>
-            <a:off x="3471863" y="3618442"/>
-            <a:ext cx="2915543" cy="5322183"/>
+            <a:off x="3471863" y="4602496"/>
+            <a:ext cx="2915543" cy="6769578"/>
           </a:xfrm>
         </p:spPr>
         <p:txBody>
@@ -1686,7 +1686,7 @@
     </p:spTree>
     <p:extLst>
       <p:ext uri="{BB962C8B-B14F-4D97-AF65-F5344CB8AC3E}">
-        <p14:creationId xmlns:p14="http://schemas.microsoft.com/office/powerpoint/2010/main" val="1899063444"/>
+        <p14:creationId xmlns:p14="http://schemas.microsoft.com/office/powerpoint/2010/main" val="1184145934"/>
       </p:ext>
     </p:extLst>
   </p:cSld>
@@ -1804,7 +1804,7 @@
     </p:spTree>
     <p:extLst>
       <p:ext uri="{BB962C8B-B14F-4D97-AF65-F5344CB8AC3E}">
-        <p14:creationId xmlns:p14="http://schemas.microsoft.com/office/powerpoint/2010/main" val="3004303170"/>
+        <p14:creationId xmlns:p14="http://schemas.microsoft.com/office/powerpoint/2010/main" val="3137885473"/>
       </p:ext>
     </p:extLst>
   </p:cSld>
@@ -1899,7 +1899,7 @@
     </p:spTree>
     <p:extLst>
       <p:ext uri="{BB962C8B-B14F-4D97-AF65-F5344CB8AC3E}">
-        <p14:creationId xmlns:p14="http://schemas.microsoft.com/office/powerpoint/2010/main" val="1911992432"/>
+        <p14:creationId xmlns:p14="http://schemas.microsoft.com/office/powerpoint/2010/main" val="2229260748"/>
       </p:ext>
     </p:extLst>
   </p:cSld>
@@ -1938,8 +1938,8 @@
         </p:nvSpPr>
         <p:spPr>
           <a:xfrm>
-            <a:off x="472381" y="660400"/>
-            <a:ext cx="2211884" cy="2311400"/>
+            <a:off x="472381" y="839999"/>
+            <a:ext cx="2211884" cy="2939997"/>
           </a:xfrm>
         </p:spPr>
         <p:txBody>
@@ -1970,8 +1970,8 @@
         </p:nvSpPr>
         <p:spPr>
           <a:xfrm>
-            <a:off x="2915543" y="1426283"/>
-            <a:ext cx="3471863" cy="7039681"/>
+            <a:off x="2915543" y="1814168"/>
+            <a:ext cx="3471863" cy="8954158"/>
           </a:xfrm>
         </p:spPr>
         <p:txBody>
@@ -2055,8 +2055,8 @@
         </p:nvSpPr>
         <p:spPr>
           <a:xfrm>
-            <a:off x="472381" y="2971800"/>
-            <a:ext cx="2211884" cy="5505627"/>
+            <a:off x="472381" y="3779996"/>
+            <a:ext cx="2211884" cy="7002911"/>
           </a:xfrm>
         </p:spPr>
         <p:txBody>
@@ -2176,7 +2176,7 @@
     </p:spTree>
     <p:extLst>
       <p:ext uri="{BB962C8B-B14F-4D97-AF65-F5344CB8AC3E}">
-        <p14:creationId xmlns:p14="http://schemas.microsoft.com/office/powerpoint/2010/main" val="2809036773"/>
+        <p14:creationId xmlns:p14="http://schemas.microsoft.com/office/powerpoint/2010/main" val="2482247764"/>
       </p:ext>
     </p:extLst>
   </p:cSld>
@@ -2215,8 +2215,8 @@
         </p:nvSpPr>
         <p:spPr>
           <a:xfrm>
-            <a:off x="472381" y="660400"/>
-            <a:ext cx="2211884" cy="2311400"/>
+            <a:off x="472381" y="839999"/>
+            <a:ext cx="2211884" cy="2939997"/>
           </a:xfrm>
         </p:spPr>
         <p:txBody>
@@ -2247,8 +2247,8 @@
         </p:nvSpPr>
         <p:spPr>
           <a:xfrm>
-            <a:off x="2915543" y="1426283"/>
-            <a:ext cx="3471863" cy="7039681"/>
+            <a:off x="2915543" y="1814168"/>
+            <a:ext cx="3471863" cy="8954158"/>
           </a:xfrm>
         </p:spPr>
         <p:txBody>
@@ -2312,8 +2312,8 @@
         </p:nvSpPr>
         <p:spPr>
           <a:xfrm>
-            <a:off x="472381" y="2971800"/>
-            <a:ext cx="2211884" cy="5505627"/>
+            <a:off x="472381" y="3779996"/>
+            <a:ext cx="2211884" cy="7002911"/>
           </a:xfrm>
         </p:spPr>
         <p:txBody>
@@ -2433,7 +2433,7 @@
     </p:spTree>
     <p:extLst>
       <p:ext uri="{BB962C8B-B14F-4D97-AF65-F5344CB8AC3E}">
-        <p14:creationId xmlns:p14="http://schemas.microsoft.com/office/powerpoint/2010/main" val="2993464419"/>
+        <p14:creationId xmlns:p14="http://schemas.microsoft.com/office/powerpoint/2010/main" val="3176971961"/>
       </p:ext>
     </p:extLst>
   </p:cSld>
@@ -2477,8 +2477,8 @@
         </p:nvSpPr>
         <p:spPr>
           <a:xfrm>
-            <a:off x="471488" y="527405"/>
-            <a:ext cx="5915025" cy="1914702"/>
+            <a:off x="471488" y="670836"/>
+            <a:ext cx="5915025" cy="2435415"/>
           </a:xfrm>
           <a:prstGeom prst="rect">
             <a:avLst/>
@@ -2510,8 +2510,8 @@
         </p:nvSpPr>
         <p:spPr>
           <a:xfrm>
-            <a:off x="471488" y="2637014"/>
-            <a:ext cx="5915025" cy="6285266"/>
+            <a:off x="471488" y="3354163"/>
+            <a:ext cx="5915025" cy="7994577"/>
           </a:xfrm>
           <a:prstGeom prst="rect">
             <a:avLst/>
@@ -2572,8 +2572,8 @@
         </p:nvSpPr>
         <p:spPr>
           <a:xfrm>
-            <a:off x="471488" y="9181397"/>
-            <a:ext cx="1543050" cy="527403"/>
+            <a:off x="471488" y="11678325"/>
+            <a:ext cx="1543050" cy="670833"/>
           </a:xfrm>
           <a:prstGeom prst="rect">
             <a:avLst/>
@@ -2613,8 +2613,8 @@
         </p:nvSpPr>
         <p:spPr>
           <a:xfrm>
-            <a:off x="2271713" y="9181397"/>
-            <a:ext cx="2314575" cy="527403"/>
+            <a:off x="2271713" y="11678325"/>
+            <a:ext cx="2314575" cy="670833"/>
           </a:xfrm>
           <a:prstGeom prst="rect">
             <a:avLst/>
@@ -2650,8 +2650,8 @@
         </p:nvSpPr>
         <p:spPr>
           <a:xfrm>
-            <a:off x="4843463" y="9181397"/>
-            <a:ext cx="1543050" cy="527403"/>
+            <a:off x="4843463" y="11678325"/>
+            <a:ext cx="1543050" cy="670833"/>
           </a:xfrm>
           <a:prstGeom prst="rect">
             <a:avLst/>
@@ -2682,23 +2682,23 @@
     </p:spTree>
     <p:extLst>
       <p:ext uri="{BB962C8B-B14F-4D97-AF65-F5344CB8AC3E}">
-        <p14:creationId xmlns:p14="http://schemas.microsoft.com/office/powerpoint/2010/main" val="458509621"/>
+        <p14:creationId xmlns:p14="http://schemas.microsoft.com/office/powerpoint/2010/main" val="3482284848"/>
       </p:ext>
     </p:extLst>
   </p:cSld>
   <p:clrMap bg1="lt1" tx1="dk1" bg2="lt2" tx2="dk2" accent1="accent1" accent2="accent2" accent3="accent3" accent4="accent4" accent5="accent5" accent6="accent6" hlink="hlink" folHlink="folHlink"/>
   <p:sldLayoutIdLst>
-    <p:sldLayoutId id="2147483685" r:id="rId1"/>
-    <p:sldLayoutId id="2147483686" r:id="rId2"/>
-    <p:sldLayoutId id="2147483687" r:id="rId3"/>
-    <p:sldLayoutId id="2147483688" r:id="rId4"/>
-    <p:sldLayoutId id="2147483689" r:id="rId5"/>
-    <p:sldLayoutId id="2147483690" r:id="rId6"/>
-    <p:sldLayoutId id="2147483691" r:id="rId7"/>
-    <p:sldLayoutId id="2147483692" r:id="rId8"/>
-    <p:sldLayoutId id="2147483693" r:id="rId9"/>
-    <p:sldLayoutId id="2147483694" r:id="rId10"/>
-    <p:sldLayoutId id="2147483695" r:id="rId11"/>
+    <p:sldLayoutId id="2147483697" r:id="rId1"/>
+    <p:sldLayoutId id="2147483698" r:id="rId2"/>
+    <p:sldLayoutId id="2147483699" r:id="rId3"/>
+    <p:sldLayoutId id="2147483700" r:id="rId4"/>
+    <p:sldLayoutId id="2147483701" r:id="rId5"/>
+    <p:sldLayoutId id="2147483702" r:id="rId6"/>
+    <p:sldLayoutId id="2147483703" r:id="rId7"/>
+    <p:sldLayoutId id="2147483704" r:id="rId8"/>
+    <p:sldLayoutId id="2147483705" r:id="rId9"/>
+    <p:sldLayoutId id="2147483706" r:id="rId10"/>
+    <p:sldLayoutId id="2147483707" r:id="rId11"/>
   </p:sldLayoutIdLst>
   <p:txStyles>
     <p:titleStyle>
@@ -3017,7 +3017,7 @@
         <p:spPr>
           <a:xfrm>
             <a:off x="0" y="0"/>
-            <a:ext cx="2052000" cy="9906000"/>
+            <a:ext cx="2052000" cy="12599988"/>
           </a:xfrm>
           <a:prstGeom prst="rect">
             <a:avLst/>
@@ -3075,7 +3075,7 @@
         </p:nvGrpSpPr>
         <p:grpSpPr>
           <a:xfrm>
-            <a:off x="0" y="178240"/>
+            <a:off x="0" y="168874"/>
             <a:ext cx="2052000" cy="284694"/>
             <a:chOff x="0" y="852963"/>
             <a:chExt cx="2052000" cy="284694"/>
@@ -3197,7 +3197,7 @@
         </p:nvGrpSpPr>
         <p:grpSpPr>
           <a:xfrm>
-            <a:off x="0" y="1870246"/>
+            <a:off x="0" y="1860880"/>
             <a:ext cx="2053320" cy="284694"/>
             <a:chOff x="146929" y="1005363"/>
             <a:chExt cx="2053320" cy="284694"/>
@@ -3319,7 +3319,7 @@
         </p:nvGrpSpPr>
         <p:grpSpPr>
           <a:xfrm>
-            <a:off x="2158680" y="6879562"/>
+            <a:off x="2158680" y="9695836"/>
             <a:ext cx="4571170" cy="335156"/>
             <a:chOff x="2158680" y="3022600"/>
             <a:chExt cx="4571170" cy="335156"/>
@@ -3472,7 +3472,7 @@
         </p:nvGrpSpPr>
         <p:grpSpPr>
           <a:xfrm>
-            <a:off x="2158680" y="1392657"/>
+            <a:off x="2158680" y="1383291"/>
             <a:ext cx="4571170" cy="335156"/>
             <a:chOff x="2158680" y="3022600"/>
             <a:chExt cx="4571170" cy="335156"/>
@@ -3625,7 +3625,7 @@
         </p:nvGrpSpPr>
         <p:grpSpPr>
           <a:xfrm>
-            <a:off x="550" y="2232000"/>
+            <a:off x="550" y="2222635"/>
             <a:ext cx="2124000" cy="468949"/>
             <a:chOff x="16925" y="2964754"/>
             <a:chExt cx="2124000" cy="468949"/>
@@ -3885,7 +3885,7 @@
         </p:nvGrpSpPr>
         <p:grpSpPr>
           <a:xfrm>
-            <a:off x="0" y="2639805"/>
+            <a:off x="0" y="2630440"/>
             <a:ext cx="2124000" cy="468949"/>
             <a:chOff x="16925" y="2964754"/>
             <a:chExt cx="2124000" cy="468949"/>
@@ -4145,7 +4145,7 @@
         </p:nvGrpSpPr>
         <p:grpSpPr>
           <a:xfrm>
-            <a:off x="0" y="3059258"/>
+            <a:off x="0" y="3049893"/>
             <a:ext cx="2124000" cy="468949"/>
             <a:chOff x="16925" y="2964754"/>
             <a:chExt cx="2124000" cy="468949"/>
@@ -4405,7 +4405,7 @@
         </p:nvGrpSpPr>
         <p:grpSpPr>
           <a:xfrm>
-            <a:off x="0" y="3467420"/>
+            <a:off x="0" y="3458054"/>
             <a:ext cx="2124000" cy="723014"/>
             <a:chOff x="16925" y="2964754"/>
             <a:chExt cx="2124000" cy="723014"/>
@@ -4677,7 +4677,7 @@
         </p:nvGrpSpPr>
         <p:grpSpPr>
           <a:xfrm>
-            <a:off x="-905" y="4130085"/>
+            <a:off x="-905" y="4120720"/>
             <a:ext cx="2124000" cy="468949"/>
             <a:chOff x="16925" y="2964754"/>
             <a:chExt cx="2124000" cy="468949"/>
@@ -4937,7 +4937,7 @@
         </p:nvGrpSpPr>
         <p:grpSpPr>
           <a:xfrm>
-            <a:off x="-905" y="4605647"/>
+            <a:off x="-905" y="4596281"/>
             <a:ext cx="2124000" cy="712908"/>
             <a:chOff x="16925" y="2964754"/>
             <a:chExt cx="2124000" cy="712908"/>
@@ -5200,7 +5200,7 @@
         </p:nvGrpSpPr>
         <p:grpSpPr>
           <a:xfrm>
-            <a:off x="-905" y="5760000"/>
+            <a:off x="-905" y="5750635"/>
             <a:ext cx="2124000" cy="468949"/>
             <a:chOff x="16925" y="2964754"/>
             <a:chExt cx="2124000" cy="468949"/>
@@ -5460,7 +5460,7 @@
         </p:nvGrpSpPr>
         <p:grpSpPr>
           <a:xfrm>
-            <a:off x="0" y="6230557"/>
+            <a:off x="0" y="6221191"/>
             <a:ext cx="2052000" cy="284694"/>
             <a:chOff x="152400" y="1005363"/>
             <a:chExt cx="2052000" cy="284694"/>
@@ -5582,7 +5582,7 @@
         </p:nvGrpSpPr>
         <p:grpSpPr>
           <a:xfrm>
-            <a:off x="-5471" y="6552000"/>
+            <a:off x="-5471" y="6542635"/>
             <a:ext cx="2124000" cy="468949"/>
             <a:chOff x="16925" y="2964754"/>
             <a:chExt cx="2124000" cy="468949"/>
@@ -5849,7 +5849,7 @@
         </p:nvGrpSpPr>
         <p:grpSpPr>
           <a:xfrm>
-            <a:off x="0" y="6984000"/>
+            <a:off x="0" y="6974635"/>
             <a:ext cx="2124000" cy="468949"/>
             <a:chOff x="16925" y="2964754"/>
             <a:chExt cx="2124000" cy="468949"/>
@@ -6116,7 +6116,7 @@
         </p:nvGrpSpPr>
         <p:grpSpPr>
           <a:xfrm>
-            <a:off x="0" y="7416000"/>
+            <a:off x="0" y="7406635"/>
             <a:ext cx="2124000" cy="468949"/>
             <a:chOff x="16925" y="2964754"/>
             <a:chExt cx="2124000" cy="468949"/>
@@ -6383,7 +6383,7 @@
         </p:nvGrpSpPr>
         <p:grpSpPr>
           <a:xfrm>
-            <a:off x="0" y="7848000"/>
+            <a:off x="0" y="7838635"/>
             <a:ext cx="2124000" cy="468949"/>
             <a:chOff x="16925" y="2964754"/>
             <a:chExt cx="2124000" cy="468949"/>
@@ -6650,7 +6650,7 @@
         </p:nvGrpSpPr>
         <p:grpSpPr>
           <a:xfrm>
-            <a:off x="0" y="8280000"/>
+            <a:off x="0" y="8270635"/>
             <a:ext cx="2124000" cy="468949"/>
             <a:chOff x="16925" y="2964754"/>
             <a:chExt cx="2124000" cy="468949"/>
@@ -6917,7 +6917,7 @@
         </p:nvGrpSpPr>
         <p:grpSpPr>
           <a:xfrm>
-            <a:off x="0" y="8748000"/>
+            <a:off x="0" y="8738635"/>
             <a:ext cx="2124000" cy="468949"/>
             <a:chOff x="16925" y="2964754"/>
             <a:chExt cx="2124000" cy="468949"/>
@@ -7184,7 +7184,7 @@
         </p:nvGrpSpPr>
         <p:grpSpPr>
           <a:xfrm>
-            <a:off x="0" y="9216000"/>
+            <a:off x="0" y="9206635"/>
             <a:ext cx="2124000" cy="468949"/>
             <a:chOff x="16925" y="2964754"/>
             <a:chExt cx="2124000" cy="468949"/>
@@ -7464,7 +7464,7 @@
         </p:blipFill>
         <p:spPr>
           <a:xfrm>
-            <a:off x="5967584" y="97471"/>
+            <a:off x="5967584" y="88105"/>
             <a:ext cx="732568" cy="732568"/>
           </a:xfrm>
           <a:prstGeom prst="ellipse">
@@ -7486,7 +7486,7 @@
         </p:nvSpPr>
         <p:spPr>
           <a:xfrm>
-            <a:off x="2229850" y="237410"/>
+            <a:off x="2229850" y="228044"/>
             <a:ext cx="1945320" cy="369332"/>
           </a:xfrm>
           <a:prstGeom prst="rect">
@@ -7524,7 +7524,7 @@
         </p:nvSpPr>
         <p:spPr>
           <a:xfrm>
-            <a:off x="2229850" y="606742"/>
+            <a:off x="2229850" y="597377"/>
             <a:ext cx="1945320" cy="246221"/>
           </a:xfrm>
           <a:prstGeom prst="rect">
@@ -7568,7 +7568,7 @@
         </p:nvCxnSpPr>
         <p:spPr>
           <a:xfrm>
-            <a:off x="2229850" y="904737"/>
+            <a:off x="2229850" y="895371"/>
             <a:ext cx="4500000" cy="0"/>
           </a:xfrm>
           <a:prstGeom prst="line">
@@ -7609,7 +7609,7 @@
         </p:nvGrpSpPr>
         <p:grpSpPr>
           <a:xfrm>
-            <a:off x="101979" y="506593"/>
+            <a:off x="101979" y="497227"/>
             <a:ext cx="1945320" cy="1217962"/>
             <a:chOff x="106680" y="1145351"/>
             <a:chExt cx="1945320" cy="1217962"/>
@@ -7972,7 +7972,7 @@
         </p:nvGrpSpPr>
         <p:grpSpPr>
           <a:xfrm>
-            <a:off x="2158680" y="7212199"/>
+            <a:off x="2158680" y="10028474"/>
             <a:ext cx="4519320" cy="407523"/>
             <a:chOff x="2158680" y="5312456"/>
             <a:chExt cx="4519320" cy="407523"/>
@@ -8098,7 +8098,7 @@
         </p:nvGrpSpPr>
         <p:grpSpPr>
           <a:xfrm>
-            <a:off x="2176356" y="7538649"/>
+            <a:off x="2176356" y="10362543"/>
             <a:ext cx="4571170" cy="335156"/>
             <a:chOff x="2158680" y="3022600"/>
             <a:chExt cx="4571170" cy="335156"/>
@@ -8251,8 +8251,8 @@
         </p:nvGrpSpPr>
         <p:grpSpPr>
           <a:xfrm>
-            <a:off x="2178737" y="7871917"/>
-            <a:ext cx="4500740" cy="414154"/>
+            <a:off x="2176356" y="10727425"/>
+            <a:ext cx="4500740" cy="298488"/>
             <a:chOff x="2178737" y="5823690"/>
             <a:chExt cx="4500740" cy="414154"/>
           </a:xfrm>
@@ -8402,8 +8402,8 @@
         </p:nvGrpSpPr>
         <p:grpSpPr>
           <a:xfrm>
-            <a:off x="2158680" y="8261734"/>
-            <a:ext cx="4519320" cy="409035"/>
+            <a:off x="2158680" y="11104991"/>
+            <a:ext cx="4519320" cy="299389"/>
             <a:chOff x="2158680" y="6396495"/>
             <a:chExt cx="4519320" cy="409035"/>
           </a:xfrm>
@@ -8550,8 +8550,8 @@
         </p:nvGrpSpPr>
         <p:grpSpPr>
           <a:xfrm>
-            <a:off x="2178000" y="9455591"/>
-            <a:ext cx="4498680" cy="407804"/>
+            <a:off x="2178000" y="12192613"/>
+            <a:ext cx="4498680" cy="334656"/>
             <a:chOff x="2178000" y="6996911"/>
             <a:chExt cx="4498680" cy="407804"/>
           </a:xfrm>
@@ -8674,8 +8674,8 @@
         </p:nvGrpSpPr>
         <p:grpSpPr>
           <a:xfrm>
-            <a:off x="2178000" y="8668096"/>
-            <a:ext cx="4498680" cy="407804"/>
+            <a:off x="2178000" y="11460106"/>
+            <a:ext cx="4498680" cy="310148"/>
             <a:chOff x="2178000" y="7010470"/>
             <a:chExt cx="4498680" cy="407804"/>
           </a:xfrm>
@@ -8799,7 +8799,7 @@
         </p:nvSpPr>
         <p:spPr>
           <a:xfrm>
-            <a:off x="2189699" y="936773"/>
+            <a:off x="2189699" y="927408"/>
             <a:ext cx="4553494" cy="461665"/>
           </a:xfrm>
           <a:prstGeom prst="rect">
@@ -8818,7 +8818,7 @@
                 <a:latin typeface="Arial" panose="020B0604020202020204" pitchFamily="34" charset="0"/>
                 <a:cs typeface="Arial" panose="020B0604020202020204" pitchFamily="34" charset="0"/>
               </a:rPr>
-              <a:t>В любых процессах ищу возможности для оптимизации и автоматизации. На текущий момент совмещаю функции руководителя направления партнерских продаж и развиваюсь в качестве аналитика данных, прокачивая харды на внешних проектах</a:t>
+              <a:t>Работая в компании с годовым объемом продаж в 10 миллионов долларов, за два года прошел путь от продавца до руководителя отдела продаж, а затем стал финансовым аналитиком.</a:t>
             </a:r>
           </a:p>
         </p:txBody>
@@ -8837,10 +8837,10 @@
         </p:nvGrpSpPr>
         <p:grpSpPr>
           <a:xfrm>
-            <a:off x="2158680" y="1734631"/>
-            <a:ext cx="4517096" cy="2400657"/>
+            <a:off x="2158680" y="4672432"/>
+            <a:ext cx="4517096" cy="2122308"/>
             <a:chOff x="2158680" y="5104975"/>
-            <a:chExt cx="4517096" cy="2400657"/>
+            <a:chExt cx="4517096" cy="2411876"/>
           </a:xfrm>
         </p:grpSpPr>
         <p:sp>
@@ -8858,7 +8858,7 @@
           <p:spPr>
             <a:xfrm>
               <a:off x="2158680" y="5145026"/>
-              <a:ext cx="756000" cy="400110"/>
+              <a:ext cx="756000" cy="569471"/>
             </a:xfrm>
             <a:prstGeom prst="rect">
               <a:avLst/>
@@ -8886,6 +8886,15 @@
                   <a:cs typeface="Arial" panose="020B0604020202020204" pitchFamily="34" charset="0"/>
                 </a:rPr>
                 <a:t>2022-04</a:t>
+              </a:r>
+            </a:p>
+            <a:p>
+              <a:r>
+                <a:rPr lang="ru-RU" sz="800" dirty="0">
+                  <a:latin typeface="Arial" panose="020B0604020202020204" pitchFamily="34" charset="0"/>
+                  <a:cs typeface="Arial" panose="020B0604020202020204" pitchFamily="34" charset="0"/>
+                </a:rPr>
+                <a:t>(17 мес.)</a:t>
               </a:r>
             </a:p>
           </p:txBody>
@@ -8905,7 +8914,7 @@
           <p:spPr>
             <a:xfrm>
               <a:off x="2914680" y="5104975"/>
-              <a:ext cx="3761096" cy="2400657"/>
+              <a:ext cx="3761096" cy="2411876"/>
             </a:xfrm>
             <a:prstGeom prst="rect">
               <a:avLst/>
@@ -8917,15 +8926,6 @@
               <a:spAutoFit/>
             </a:bodyPr>
             <a:lstStyle/>
-            <a:p>
-              <a:r>
-                <a:rPr lang="ru-RU" sz="1200" b="1" dirty="0">
-                  <a:latin typeface="Arial" panose="020B0604020202020204" pitchFamily="34" charset="0"/>
-                  <a:cs typeface="Arial" panose="020B0604020202020204" pitchFamily="34" charset="0"/>
-                </a:rPr>
-                <a:t>Модульбанк</a:t>
-              </a:r>
-            </a:p>
             <a:p>
               <a:r>
                 <a:rPr lang="ru-RU" sz="1000" dirty="0">
@@ -9101,7 +9101,7 @@
         </p:nvGrpSpPr>
         <p:grpSpPr>
           <a:xfrm>
-            <a:off x="2158680" y="3907077"/>
+            <a:off x="2158680" y="6692871"/>
             <a:ext cx="4519320" cy="1969770"/>
             <a:chOff x="2158680" y="5168607"/>
             <a:chExt cx="4519320" cy="1969770"/>
@@ -9122,7 +9122,7 @@
           <p:spPr>
             <a:xfrm>
               <a:off x="2158680" y="5175569"/>
-              <a:ext cx="756000" cy="400110"/>
+              <a:ext cx="756000" cy="523220"/>
             </a:xfrm>
             <a:prstGeom prst="rect">
               <a:avLst/>
@@ -9150,6 +9150,15 @@
                   <a:cs typeface="Arial" panose="020B0604020202020204" pitchFamily="34" charset="0"/>
                 </a:rPr>
                 <a:t>2020-10</a:t>
+              </a:r>
+            </a:p>
+            <a:p>
+              <a:r>
+                <a:rPr lang="ru-RU" sz="800" dirty="0">
+                  <a:latin typeface="Arial" panose="020B0604020202020204" pitchFamily="34" charset="0"/>
+                  <a:cs typeface="Arial" panose="020B0604020202020204" pitchFamily="34" charset="0"/>
+                </a:rPr>
+                <a:t>(12 мес.)</a:t>
               </a:r>
             </a:p>
           </p:txBody>
@@ -9324,10 +9333,10 @@
         </p:nvGrpSpPr>
         <p:grpSpPr>
           <a:xfrm>
-            <a:off x="2158680" y="5793563"/>
-            <a:ext cx="4519320" cy="492443"/>
+            <a:off x="2158680" y="8579358"/>
+            <a:ext cx="4519320" cy="534039"/>
             <a:chOff x="2158680" y="5186170"/>
-            <a:chExt cx="4519320" cy="492443"/>
+            <a:chExt cx="4519320" cy="534039"/>
           </a:xfrm>
         </p:grpSpPr>
         <p:sp>
@@ -9345,7 +9354,7 @@
           <p:spPr>
             <a:xfrm>
               <a:off x="2158680" y="5196989"/>
-              <a:ext cx="756000" cy="400110"/>
+              <a:ext cx="756000" cy="523220"/>
             </a:xfrm>
             <a:prstGeom prst="rect">
               <a:avLst/>
@@ -9373,6 +9382,15 @@
                   <a:cs typeface="Arial" panose="020B0604020202020204" pitchFamily="34" charset="0"/>
                 </a:rPr>
                 <a:t>2019-10</a:t>
+              </a:r>
+            </a:p>
+            <a:p>
+              <a:r>
+                <a:rPr lang="ru-RU" sz="800" dirty="0">
+                  <a:latin typeface="Arial" panose="020B0604020202020204" pitchFamily="34" charset="0"/>
+                  <a:cs typeface="Arial" panose="020B0604020202020204" pitchFamily="34" charset="0"/>
+                </a:rPr>
+                <a:t>(8 мес.)</a:t>
               </a:r>
             </a:p>
           </p:txBody>
@@ -9457,8 +9475,8 @@
         </p:nvGrpSpPr>
         <p:grpSpPr>
           <a:xfrm>
-            <a:off x="2177096" y="9066868"/>
-            <a:ext cx="4498680" cy="407804"/>
+            <a:off x="2177096" y="11836746"/>
+            <a:ext cx="4498680" cy="310147"/>
             <a:chOff x="2178000" y="6993486"/>
             <a:chExt cx="4498680" cy="407804"/>
           </a:xfrm>
@@ -9567,7 +9585,7 @@
         </p:nvGrpSpPr>
         <p:grpSpPr>
           <a:xfrm>
-            <a:off x="2158680" y="6279437"/>
+            <a:off x="2158680" y="9065231"/>
             <a:ext cx="4517096" cy="677108"/>
             <a:chOff x="2158680" y="5128949"/>
             <a:chExt cx="4517096" cy="677108"/>
@@ -9588,7 +9606,7 @@
           <p:spPr>
             <a:xfrm>
               <a:off x="2158680" y="5145971"/>
-              <a:ext cx="756000" cy="400110"/>
+              <a:ext cx="756000" cy="523220"/>
             </a:xfrm>
             <a:prstGeom prst="rect">
               <a:avLst/>
@@ -9616,6 +9634,15 @@
                   <a:cs typeface="Arial" panose="020B0604020202020204" pitchFamily="34" charset="0"/>
                 </a:rPr>
                 <a:t>2019-02</a:t>
+              </a:r>
+            </a:p>
+            <a:p>
+              <a:r>
+                <a:rPr lang="ru-RU" sz="800" dirty="0">
+                  <a:latin typeface="Arial" panose="020B0604020202020204" pitchFamily="34" charset="0"/>
+                  <a:cs typeface="Arial" panose="020B0604020202020204" pitchFamily="34" charset="0"/>
+                </a:rPr>
+                <a:t>(18 мес.)</a:t>
               </a:r>
             </a:p>
           </p:txBody>
@@ -9709,7 +9736,7 @@
         </p:nvGrpSpPr>
         <p:grpSpPr>
           <a:xfrm>
-            <a:off x="-905" y="5301768"/>
+            <a:off x="-905" y="5292403"/>
             <a:ext cx="2124000" cy="468949"/>
             <a:chOff x="16925" y="2964754"/>
             <a:chExt cx="2124000" cy="468949"/>
@@ -9971,6 +9998,435 @@
             </p:txBody>
           </p:sp>
         </p:grpSp>
+      </p:grpSp>
+      <p:grpSp>
+        <p:nvGrpSpPr>
+          <p:cNvPr id="18" name="Группа 17">
+            <a:extLst>
+              <a:ext uri="{FF2B5EF4-FFF2-40B4-BE49-F238E27FC236}">
+                <a16:creationId xmlns:a16="http://schemas.microsoft.com/office/drawing/2014/main" id="{4E2DD8FA-EFA6-6BD5-119C-A6A69766EB4D}"/>
+              </a:ext>
+            </a:extLst>
+          </p:cNvPr>
+          <p:cNvGrpSpPr/>
+          <p:nvPr/>
+        </p:nvGrpSpPr>
+        <p:grpSpPr>
+          <a:xfrm>
+            <a:off x="2158680" y="1738273"/>
+            <a:ext cx="4517096" cy="3016210"/>
+            <a:chOff x="2158680" y="5104975"/>
+            <a:chExt cx="4517096" cy="3282841"/>
+          </a:xfrm>
+        </p:grpSpPr>
+        <p:sp>
+          <p:nvSpPr>
+            <p:cNvPr id="21" name="TextBox 20">
+              <a:extLst>
+                <a:ext uri="{FF2B5EF4-FFF2-40B4-BE49-F238E27FC236}">
+                  <a16:creationId xmlns:a16="http://schemas.microsoft.com/office/drawing/2014/main" id="{0323A438-251E-786D-60D4-BBBFE4C7E46D}"/>
+                </a:ext>
+              </a:extLst>
+            </p:cNvPr>
+            <p:cNvSpPr txBox="1"/>
+            <p:nvPr/>
+          </p:nvSpPr>
+          <p:spPr>
+            <a:xfrm>
+              <a:off x="2158680" y="5145026"/>
+              <a:ext cx="756000" cy="267986"/>
+            </a:xfrm>
+            <a:prstGeom prst="rect">
+              <a:avLst/>
+            </a:prstGeom>
+            <a:noFill/>
+          </p:spPr>
+          <p:txBody>
+            <a:bodyPr wrap="square" rtlCol="0">
+              <a:spAutoFit/>
+            </a:bodyPr>
+            <a:lstStyle/>
+            <a:p>
+              <a:r>
+                <a:rPr lang="ru-RU" sz="1000" dirty="0">
+                  <a:latin typeface="Arial" panose="020B0604020202020204" pitchFamily="34" charset="0"/>
+                  <a:cs typeface="Arial" panose="020B0604020202020204" pitchFamily="34" charset="0"/>
+                </a:rPr>
+                <a:t>с 2022-04</a:t>
+              </a:r>
+            </a:p>
+          </p:txBody>
+        </p:sp>
+        <p:sp>
+          <p:nvSpPr>
+            <p:cNvPr id="23" name="TextBox 22">
+              <a:extLst>
+                <a:ext uri="{FF2B5EF4-FFF2-40B4-BE49-F238E27FC236}">
+                  <a16:creationId xmlns:a16="http://schemas.microsoft.com/office/drawing/2014/main" id="{57D5FADE-3B43-46B4-A8ED-8C0AD1B2F1F7}"/>
+                </a:ext>
+              </a:extLst>
+            </p:cNvPr>
+            <p:cNvSpPr txBox="1"/>
+            <p:nvPr/>
+          </p:nvSpPr>
+          <p:spPr>
+            <a:xfrm>
+              <a:off x="2914680" y="5104975"/>
+              <a:ext cx="3761096" cy="3282841"/>
+            </a:xfrm>
+            <a:prstGeom prst="rect">
+              <a:avLst/>
+            </a:prstGeom>
+            <a:noFill/>
+          </p:spPr>
+          <p:txBody>
+            <a:bodyPr wrap="square" rtlCol="0">
+              <a:spAutoFit/>
+            </a:bodyPr>
+            <a:lstStyle/>
+            <a:p>
+              <a:r>
+                <a:rPr lang="ru-RU" sz="1200" b="1" dirty="0">
+                  <a:latin typeface="Arial" panose="020B0604020202020204" pitchFamily="34" charset="0"/>
+                  <a:cs typeface="Arial" panose="020B0604020202020204" pitchFamily="34" charset="0"/>
+                </a:rPr>
+                <a:t>Модульбанк</a:t>
+              </a:r>
+            </a:p>
+            <a:p>
+              <a:r>
+                <a:rPr lang="ru-RU" sz="1000" dirty="0">
+                  <a:latin typeface="Arial" panose="020B0604020202020204" pitchFamily="34" charset="0"/>
+                  <a:cs typeface="Arial" panose="020B0604020202020204" pitchFamily="34" charset="0"/>
+                </a:rPr>
+                <a:t>Финансовый аналитик</a:t>
+              </a:r>
+            </a:p>
+            <a:p>
+              <a:pPr marL="171450" indent="-171450">
+                <a:buFont typeface="Arial" panose="020B0604020202020204" pitchFamily="34" charset="0"/>
+                <a:buChar char="•"/>
+              </a:pPr>
+              <a:r>
+                <a:rPr lang="ru-RU" sz="800" dirty="0">
+                  <a:latin typeface="Arial" panose="020B0604020202020204" pitchFamily="34" charset="0"/>
+                  <a:cs typeface="Arial" panose="020B0604020202020204" pitchFamily="34" charset="0"/>
+                </a:rPr>
+                <a:t>построение множества финансовых моделей, необходимых для принятия решения о запуске </a:t>
+              </a:r>
+              <a:r>
+                <a:rPr lang="en-US" sz="800" dirty="0">
+                  <a:latin typeface="Arial" panose="020B0604020202020204" pitchFamily="34" charset="0"/>
+                  <a:cs typeface="Arial" panose="020B0604020202020204" pitchFamily="34" charset="0"/>
+                </a:rPr>
+                <a:t>MVP</a:t>
+              </a:r>
+              <a:r>
+                <a:rPr lang="ru-RU" sz="800" dirty="0">
+                  <a:latin typeface="Arial" panose="020B0604020202020204" pitchFamily="34" charset="0"/>
+                  <a:cs typeface="Arial" panose="020B0604020202020204" pitchFamily="34" charset="0"/>
+                </a:rPr>
+                <a:t> различных продуктов</a:t>
+              </a:r>
+            </a:p>
+            <a:p>
+              <a:pPr marL="171450" indent="-171450">
+                <a:buFont typeface="Arial" panose="020B0604020202020204" pitchFamily="34" charset="0"/>
+                <a:buChar char="•"/>
+              </a:pPr>
+              <a:r>
+                <a:rPr lang="ru-RU" sz="800" dirty="0">
+                  <a:latin typeface="Arial" panose="020B0604020202020204" pitchFamily="34" charset="0"/>
+                  <a:cs typeface="Arial" panose="020B0604020202020204" pitchFamily="34" charset="0"/>
+                </a:rPr>
+                <a:t>написание </a:t>
+              </a:r>
+              <a:r>
+                <a:rPr lang="en-US" sz="800" dirty="0">
+                  <a:latin typeface="Arial" panose="020B0604020202020204" pitchFamily="34" charset="0"/>
+                  <a:cs typeface="Arial" panose="020B0604020202020204" pitchFamily="34" charset="0"/>
+                </a:rPr>
+                <a:t>SQL</a:t>
+              </a:r>
+              <a:r>
+                <a:rPr lang="ru-RU" sz="800" dirty="0">
+                  <a:latin typeface="Arial" panose="020B0604020202020204" pitchFamily="34" charset="0"/>
+                  <a:cs typeface="Arial" panose="020B0604020202020204" pitchFamily="34" charset="0"/>
+                </a:rPr>
+                <a:t>-скриптов для построения результирующих таблиц и их последующего анализа и визуализации в </a:t>
+              </a:r>
+              <a:r>
+                <a:rPr lang="en-US" sz="800" dirty="0">
+                  <a:latin typeface="Arial" panose="020B0604020202020204" pitchFamily="34" charset="0"/>
+                  <a:cs typeface="Arial" panose="020B0604020202020204" pitchFamily="34" charset="0"/>
+                </a:rPr>
+                <a:t>PowerBI</a:t>
+              </a:r>
+              <a:endParaRPr lang="ru-RU" sz="800" dirty="0">
+                <a:latin typeface="Arial" panose="020B0604020202020204" pitchFamily="34" charset="0"/>
+                <a:cs typeface="Arial" panose="020B0604020202020204" pitchFamily="34" charset="0"/>
+              </a:endParaRPr>
+            </a:p>
+            <a:p>
+              <a:pPr marL="171450" indent="-171450">
+                <a:buFont typeface="Arial" panose="020B0604020202020204" pitchFamily="34" charset="0"/>
+                <a:buChar char="•"/>
+              </a:pPr>
+              <a:r>
+                <a:rPr lang="ru-RU" sz="800" dirty="0">
+                  <a:latin typeface="Arial" panose="020B0604020202020204" pitchFamily="34" charset="0"/>
+                  <a:cs typeface="Arial" panose="020B0604020202020204" pitchFamily="34" charset="0"/>
+                </a:rPr>
+                <a:t>построение финансовой отчетности: </a:t>
+              </a:r>
+              <a:r>
+                <a:rPr lang="en-US" sz="800" dirty="0">
+                  <a:latin typeface="Arial" panose="020B0604020202020204" pitchFamily="34" charset="0"/>
+                  <a:cs typeface="Arial" panose="020B0604020202020204" pitchFamily="34" charset="0"/>
+                </a:rPr>
+                <a:t>PL </a:t>
+              </a:r>
+              <a:r>
+                <a:rPr lang="ru-RU" sz="800" dirty="0">
+                  <a:latin typeface="Arial" panose="020B0604020202020204" pitchFamily="34" charset="0"/>
+                  <a:cs typeface="Arial" panose="020B0604020202020204" pitchFamily="34" charset="0"/>
+                </a:rPr>
+                <a:t>и </a:t>
+              </a:r>
+              <a:r>
+                <a:rPr lang="en-US" sz="800" dirty="0">
+                  <a:latin typeface="Arial" panose="020B0604020202020204" pitchFamily="34" charset="0"/>
+                  <a:cs typeface="Arial" panose="020B0604020202020204" pitchFamily="34" charset="0"/>
+                </a:rPr>
+                <a:t>CF</a:t>
+              </a:r>
+              <a:r>
+                <a:rPr lang="ru-RU" sz="800" dirty="0">
+                  <a:latin typeface="Arial" panose="020B0604020202020204" pitchFamily="34" charset="0"/>
+                  <a:cs typeface="Arial" panose="020B0604020202020204" pitchFamily="34" charset="0"/>
+                </a:rPr>
+                <a:t>, а также их автоматизация в </a:t>
+              </a:r>
+              <a:r>
+                <a:rPr lang="en-US" sz="800" dirty="0">
+                  <a:latin typeface="Arial" panose="020B0604020202020204" pitchFamily="34" charset="0"/>
+                  <a:cs typeface="Arial" panose="020B0604020202020204" pitchFamily="34" charset="0"/>
+                </a:rPr>
+                <a:t>PowerBI</a:t>
+              </a:r>
+              <a:endParaRPr lang="ru-RU" sz="800" dirty="0">
+                <a:latin typeface="Arial" panose="020B0604020202020204" pitchFamily="34" charset="0"/>
+                <a:cs typeface="Arial" panose="020B0604020202020204" pitchFamily="34" charset="0"/>
+              </a:endParaRPr>
+            </a:p>
+            <a:p>
+              <a:pPr marL="171450" indent="-171450">
+                <a:buFont typeface="Arial" panose="020B0604020202020204" pitchFamily="34" charset="0"/>
+                <a:buChar char="•"/>
+              </a:pPr>
+              <a:r>
+                <a:rPr lang="ru-RU" sz="800" dirty="0">
+                  <a:latin typeface="Arial" panose="020B0604020202020204" pitchFamily="34" charset="0"/>
+                  <a:cs typeface="Arial" panose="020B0604020202020204" pitchFamily="34" charset="0"/>
+                </a:rPr>
+                <a:t>разработка множества отчетов </a:t>
+              </a:r>
+              <a:r>
+                <a:rPr lang="en-US" sz="800" dirty="0">
+                  <a:latin typeface="Arial" panose="020B0604020202020204" pitchFamily="34" charset="0"/>
+                  <a:cs typeface="Arial" panose="020B0604020202020204" pitchFamily="34" charset="0"/>
+                </a:rPr>
+                <a:t>PowerBI</a:t>
+              </a:r>
+              <a:r>
+                <a:rPr lang="ru-RU" sz="800" dirty="0">
+                  <a:latin typeface="Arial" panose="020B0604020202020204" pitchFamily="34" charset="0"/>
+                  <a:cs typeface="Arial" panose="020B0604020202020204" pitchFamily="34" charset="0"/>
+                </a:rPr>
+                <a:t> для смежных подразделений: Продажи, Маркетинг, Техподдержка, Коллекшн, Логистика </a:t>
+              </a:r>
+              <a:endParaRPr lang="en-US" sz="800" dirty="0">
+                <a:latin typeface="Arial" panose="020B0604020202020204" pitchFamily="34" charset="0"/>
+                <a:cs typeface="Arial" panose="020B0604020202020204" pitchFamily="34" charset="0"/>
+              </a:endParaRPr>
+            </a:p>
+            <a:p>
+              <a:pPr marL="171450" indent="-171450">
+                <a:buFont typeface="Arial" panose="020B0604020202020204" pitchFamily="34" charset="0"/>
+                <a:buChar char="•"/>
+              </a:pPr>
+              <a:r>
+                <a:rPr lang="ru-RU" sz="800" dirty="0">
+                  <a:latin typeface="Arial" panose="020B0604020202020204" pitchFamily="34" charset="0"/>
+                  <a:cs typeface="Arial" panose="020B0604020202020204" pitchFamily="34" charset="0"/>
+                </a:rPr>
+                <a:t>написание </a:t>
+              </a:r>
+              <a:r>
+                <a:rPr lang="en-US" sz="800" dirty="0">
+                  <a:latin typeface="Arial" panose="020B0604020202020204" pitchFamily="34" charset="0"/>
+                  <a:cs typeface="Arial" panose="020B0604020202020204" pitchFamily="34" charset="0"/>
+                </a:rPr>
+                <a:t>telegram-</a:t>
+              </a:r>
+              <a:r>
+                <a:rPr lang="ru-RU" sz="800" dirty="0">
+                  <a:latin typeface="Arial" panose="020B0604020202020204" pitchFamily="34" charset="0"/>
+                  <a:cs typeface="Arial" panose="020B0604020202020204" pitchFamily="34" charset="0"/>
+                </a:rPr>
+                <a:t>бота на языке </a:t>
+              </a:r>
+              <a:r>
+                <a:rPr lang="en-US" sz="800" dirty="0">
+                  <a:latin typeface="Arial" panose="020B0604020202020204" pitchFamily="34" charset="0"/>
+                  <a:cs typeface="Arial" panose="020B0604020202020204" pitchFamily="34" charset="0"/>
+                </a:rPr>
+                <a:t>Python </a:t>
+              </a:r>
+              <a:r>
+                <a:rPr lang="ru-RU" sz="800" dirty="0">
+                  <a:latin typeface="Arial" panose="020B0604020202020204" pitchFamily="34" charset="0"/>
+                  <a:cs typeface="Arial" panose="020B0604020202020204" pitchFamily="34" charset="0"/>
+                </a:rPr>
+                <a:t>для информирования о появлении багов в данных на </a:t>
+              </a:r>
+              <a:r>
+                <a:rPr lang="en-US" sz="800" dirty="0">
+                  <a:latin typeface="Arial" panose="020B0604020202020204" pitchFamily="34" charset="0"/>
+                  <a:cs typeface="Arial" panose="020B0604020202020204" pitchFamily="34" charset="0"/>
+                </a:rPr>
+                <a:t>DWH</a:t>
+              </a:r>
+              <a:endParaRPr lang="ru-RU" sz="800" dirty="0">
+                <a:latin typeface="Arial" panose="020B0604020202020204" pitchFamily="34" charset="0"/>
+                <a:cs typeface="Arial" panose="020B0604020202020204" pitchFamily="34" charset="0"/>
+              </a:endParaRPr>
+            </a:p>
+            <a:p>
+              <a:pPr marL="171450" indent="-171450">
+                <a:buFont typeface="Arial" panose="020B0604020202020204" pitchFamily="34" charset="0"/>
+                <a:buChar char="•"/>
+              </a:pPr>
+              <a:r>
+                <a:rPr lang="ru-RU" sz="800" dirty="0">
+                  <a:latin typeface="Arial" panose="020B0604020202020204" pitchFamily="34" charset="0"/>
+                  <a:cs typeface="Arial" panose="020B0604020202020204" pitchFamily="34" charset="0"/>
+                </a:rPr>
+                <a:t>постоянный анализ финансовых результатов помесячно\поквартально</a:t>
+              </a:r>
+            </a:p>
+            <a:p>
+              <a:pPr marL="171450" indent="-171450">
+                <a:buFont typeface="Arial" panose="020B0604020202020204" pitchFamily="34" charset="0"/>
+                <a:buChar char="•"/>
+              </a:pPr>
+              <a:r>
+                <a:rPr lang="ru-RU" sz="800" dirty="0">
+                  <a:latin typeface="Arial" panose="020B0604020202020204" pitchFamily="34" charset="0"/>
+                  <a:cs typeface="Arial" panose="020B0604020202020204" pitchFamily="34" charset="0"/>
+                </a:rPr>
+                <a:t>построение финансовых прогнозов, выделение ключевых поинтов и их проработка</a:t>
+              </a:r>
+            </a:p>
+            <a:p>
+              <a:pPr marL="171450" indent="-171450">
+                <a:buFont typeface="Arial" panose="020B0604020202020204" pitchFamily="34" charset="0"/>
+                <a:buChar char="•"/>
+              </a:pPr>
+              <a:r>
+                <a:rPr lang="ru-RU" sz="800" dirty="0">
+                  <a:latin typeface="Arial" panose="020B0604020202020204" pitchFamily="34" charset="0"/>
+                  <a:cs typeface="Arial" panose="020B0604020202020204" pitchFamily="34" charset="0"/>
+                </a:rPr>
+                <a:t>оптимизация расходов, анализ действующих акций, отмена низкоэффективных предложений</a:t>
+              </a:r>
+            </a:p>
+            <a:p>
+              <a:pPr marL="171450" indent="-171450">
+                <a:buFont typeface="Arial" panose="020B0604020202020204" pitchFamily="34" charset="0"/>
+                <a:buChar char="•"/>
+              </a:pPr>
+              <a:r>
+                <a:rPr lang="ru-RU" sz="800" dirty="0">
+                  <a:latin typeface="Arial" panose="020B0604020202020204" pitchFamily="34" charset="0"/>
+                  <a:cs typeface="Arial" panose="020B0604020202020204" pitchFamily="34" charset="0"/>
+                </a:rPr>
+                <a:t>разработка и анализ ключевых бизнес-метрик LT, LTV, ARPAU, ChurnRate и т.д.</a:t>
+              </a:r>
+            </a:p>
+            <a:p>
+              <a:pPr marL="171450" indent="-171450">
+                <a:buFont typeface="Arial" panose="020B0604020202020204" pitchFamily="34" charset="0"/>
+                <a:buChar char="•"/>
+              </a:pPr>
+              <a:r>
+                <a:rPr lang="ru-RU" sz="800" dirty="0">
+                  <a:latin typeface="Arial" panose="020B0604020202020204" pitchFamily="34" charset="0"/>
+                  <a:cs typeface="Arial" panose="020B0604020202020204" pitchFamily="34" charset="0"/>
+                </a:rPr>
+                <a:t>реализация в </a:t>
+              </a:r>
+              <a:r>
+                <a:rPr lang="en-US" sz="800" dirty="0">
+                  <a:latin typeface="Arial" panose="020B0604020202020204" pitchFamily="34" charset="0"/>
+                  <a:cs typeface="Arial" panose="020B0604020202020204" pitchFamily="34" charset="0"/>
+                </a:rPr>
+                <a:t>PowerBI</a:t>
+              </a:r>
+              <a:r>
+                <a:rPr lang="ru-RU" sz="800" dirty="0">
+                  <a:latin typeface="Arial" panose="020B0604020202020204" pitchFamily="34" charset="0"/>
+                  <a:cs typeface="Arial" panose="020B0604020202020204" pitchFamily="34" charset="0"/>
+                </a:rPr>
+                <a:t> автоматического прогнозирования сбора тарифов с базы с точностью 95%</a:t>
+              </a:r>
+            </a:p>
+            <a:p>
+              <a:pPr marL="171450" indent="-171450">
+                <a:buFont typeface="Arial" panose="020B0604020202020204" pitchFamily="34" charset="0"/>
+                <a:buChar char="•"/>
+              </a:pPr>
+              <a:r>
+                <a:rPr lang="ru-RU" sz="800" dirty="0">
+                  <a:latin typeface="Arial" panose="020B0604020202020204" pitchFamily="34" charset="0"/>
+                  <a:cs typeface="Arial" panose="020B0604020202020204" pitchFamily="34" charset="0"/>
+                </a:rPr>
+                <a:t>администрирование </a:t>
+              </a:r>
+              <a:r>
+                <a:rPr lang="en-US" sz="800" dirty="0">
+                  <a:latin typeface="Arial" panose="020B0604020202020204" pitchFamily="34" charset="0"/>
+                  <a:cs typeface="Arial" panose="020B0604020202020204" pitchFamily="34" charset="0"/>
+                </a:rPr>
+                <a:t>BI-</a:t>
+              </a:r>
+              <a:r>
+                <a:rPr lang="ru-RU" sz="800" dirty="0">
+                  <a:latin typeface="Arial" panose="020B0604020202020204" pitchFamily="34" charset="0"/>
+                  <a:cs typeface="Arial" panose="020B0604020202020204" pitchFamily="34" charset="0"/>
+                </a:rPr>
+                <a:t>отчетности компании</a:t>
+              </a:r>
+              <a:endParaRPr lang="en-US" sz="800" dirty="0">
+                <a:latin typeface="Arial" panose="020B0604020202020204" pitchFamily="34" charset="0"/>
+                <a:cs typeface="Arial" panose="020B0604020202020204" pitchFamily="34" charset="0"/>
+              </a:endParaRPr>
+            </a:p>
+            <a:p>
+              <a:pPr marL="171450" indent="-171450">
+                <a:buFont typeface="Arial" panose="020B0604020202020204" pitchFamily="34" charset="0"/>
+                <a:buChar char="•"/>
+              </a:pPr>
+              <a:r>
+                <a:rPr lang="ru-RU" sz="800" dirty="0">
+                  <a:latin typeface="Arial" panose="020B0604020202020204" pitchFamily="34" charset="0"/>
+                  <a:cs typeface="Arial" panose="020B0604020202020204" pitchFamily="34" charset="0"/>
+                </a:rPr>
+                <a:t>согласование задач, требующих внимания отдела Финансов</a:t>
+              </a:r>
+            </a:p>
+          </p:txBody>
+        </p:sp>
       </p:grpSp>
     </p:spTree>
     <p:extLst>
@@ -10240,7 +10696,7 @@
   <a:extraClrSchemeLst/>
   <a:extLst>
     <a:ext uri="{05A4C25C-085E-4340-85A3-A5531E510DB2}">
-      <thm15:themeFamily xmlns:thm15="http://schemas.microsoft.com/office/thememl/2012/main" name="Office Theme" id="{62F939B6-93AF-4DB8-9C6B-D6C7DFDC589F}" vid="{4A3C46E8-61CC-4603-A589-7422A47A8E4A}"/>
+      <thm15:themeFamily xmlns:thm15="http://schemas.microsoft.com/office/thememl/2012/main" name="Office Theme 2013 - 2022" id="{62F939B6-93AF-4DB8-9C6B-D6C7DFDC589F}" vid="{4A3C46E8-61CC-4603-A589-7422A47A8E4A}"/>
     </a:ext>
   </a:extLst>
 </a:theme>

--- a/CV_Kustov_Anton_RUS.pptx
+++ b/CV_Kustov_Anton_RUS.pptx
@@ -8800,7 +8800,7 @@
         <p:spPr>
           <a:xfrm>
             <a:off x="2189699" y="927408"/>
-            <a:ext cx="4553494" cy="461665"/>
+            <a:ext cx="4553494" cy="338554"/>
           </a:xfrm>
           <a:prstGeom prst="rect">
             <a:avLst/>
@@ -8818,7 +8818,7 @@
                 <a:latin typeface="Arial" panose="020B0604020202020204" pitchFamily="34" charset="0"/>
                 <a:cs typeface="Arial" panose="020B0604020202020204" pitchFamily="34" charset="0"/>
               </a:rPr>
-              <a:t>Работая в компании с годовым объемом продаж в 10 миллионов долларов, за два года прошел путь от продавца до руководителя отдела продаж, а затем стал финансовым аналитиком.</a:t>
+              <a:t>Работая в компании с годовым оборотом 10 миллионов долларов, за два года прошел путь от продавца до руководителя отдела продаж, а затем стал финансовым аналитиком.</a:t>
             </a:r>
           </a:p>
         </p:txBody>
